--- a/Electric Heater D26_Online.pptx
+++ b/Electric Heater D26_Online.pptx
@@ -126,6 +126,11 @@
       </a:defRPr>
     </a:lvl9pPr>
   </p:defaultTextStyle>
+  <p:extLst>
+    <p:ext uri="{EFAFB233-063F-42B5-8137-9DF3F51BA10A}">
+      <p15:sldGuideLst xmlns:p15="http://schemas.microsoft.com/office/powerpoint/2012/main"/>
+    </p:ext>
+  </p:extLst>
 </p:presentation>
 </file>
 
@@ -14066,18 +14071,18 @@
               <a:buNone/>
             </a:pPr>
             <a:r>
-              <a:rPr lang="en-US" b="1" u="sng"/>
+              <a:rPr lang="en-US" b="1" u="sng" dirty="0"/>
               <a:t>TO: </a:t>
             </a:r>
             <a:r>
-              <a:rPr lang="en-US" b="1"/>
+              <a:rPr lang="en-US" b="1" dirty="0"/>
               <a:t>                </a:t>
             </a:r>
             <a:r>
-              <a:rPr lang="en-US"/>
+              <a:rPr lang="en-US" dirty="0"/>
               <a:t>AMIT BEYOND EDUCATION</a:t>
             </a:r>
-            <a:endParaRPr/>
+            <a:endParaRPr dirty="0"/>
           </a:p>
           <a:p>
             <a:pPr marL="0" lvl="0" indent="0" algn="l" rtl="0">
@@ -14094,14 +14099,14 @@
               <a:buNone/>
             </a:pPr>
             <a:r>
-              <a:rPr lang="en-US" b="1" u="sng"/>
+              <a:rPr lang="en-US" b="1" u="sng" dirty="0"/>
               <a:t>BY:</a:t>
             </a:r>
             <a:r>
-              <a:rPr lang="en-US"/>
+              <a:rPr lang="en-US" dirty="0"/>
               <a:t>                  AHMED MOHAMED ALAA</a:t>
             </a:r>
-            <a:endParaRPr/>
+            <a:endParaRPr dirty="0"/>
           </a:p>
           <a:p>
             <a:pPr marL="0" lvl="0" indent="0" algn="l" rtl="0">
@@ -14118,10 +14123,14 @@
               <a:buNone/>
             </a:pPr>
             <a:r>
+              <a:rPr lang="en-US" dirty="0"/>
+              <a:t>         	</a:t>
+            </a:r>
+            <a:r>
               <a:rPr lang="en-US"/>
-              <a:t>         	         OMAR ADS </a:t>
+              <a:t>       OMAR Hassan ADS </a:t>
             </a:r>
-            <a:endParaRPr/>
+            <a:endParaRPr dirty="0"/>
           </a:p>
           <a:p>
             <a:pPr marL="0" lvl="0" indent="0" algn="l" rtl="0">
@@ -14138,18 +14147,18 @@
               <a:buNone/>
             </a:pPr>
             <a:r>
-              <a:rPr lang="en-US" b="1" u="sng"/>
+              <a:rPr lang="en-US" b="1" u="sng" dirty="0"/>
               <a:t>CLASS: </a:t>
             </a:r>
             <a:r>
-              <a:rPr lang="en-US" b="1"/>
+              <a:rPr lang="en-US" b="1" dirty="0"/>
               <a:t>          </a:t>
             </a:r>
             <a:r>
-              <a:rPr lang="en-US"/>
+              <a:rPr lang="en-US" dirty="0"/>
               <a:t>D26- ONLINE</a:t>
             </a:r>
-            <a:endParaRPr/>
+            <a:endParaRPr dirty="0"/>
           </a:p>
         </p:txBody>
       </p:sp>
